--- a/lecture/slides/ECE_383_Lec5.pptx
+++ b/lecture/slides/ECE_383_Lec5.pptx
@@ -1077,7 +1077,7 @@
                 </a:solidFill>
               </a:rPr>
               <a:pPr/>
-              <a:t>1/16/2017</a:t>
+              <a:t>1/23/2017</a:t>
             </a:fld>
             <a:endParaRPr lang="en-US">
               <a:solidFill>
@@ -1279,7 +1279,7 @@
                 </a:solidFill>
               </a:rPr>
               <a:pPr/>
-              <a:t>1/16/2017</a:t>
+              <a:t>1/23/2017</a:t>
             </a:fld>
             <a:endParaRPr lang="en-US">
               <a:solidFill>
@@ -1491,7 +1491,7 @@
                 </a:solidFill>
               </a:rPr>
               <a:pPr/>
-              <a:t>1/16/2017</a:t>
+              <a:t>1/23/2017</a:t>
             </a:fld>
             <a:endParaRPr lang="en-US">
               <a:solidFill>
@@ -1989,7 +1989,7 @@
                 </a:spcAft>
                 <a:defRPr/>
               </a:pPr>
-              <a:t>16 January 2017</a:t>
+              <a:t>23 January 2017</a:t>
             </a:fld>
             <a:endParaRPr lang="en-US" sz="1800">
               <a:solidFill>
@@ -2254,7 +2254,7 @@
                 </a:spcAft>
                 <a:defRPr/>
               </a:pPr>
-              <a:t>16 January 2017</a:t>
+              <a:t>23 January 2017</a:t>
             </a:fld>
             <a:endParaRPr lang="en-US" sz="1800">
               <a:solidFill>
@@ -2608,7 +2608,7 @@
                 </a:spcAft>
                 <a:defRPr/>
               </a:pPr>
-              <a:t>16 January 2017</a:t>
+              <a:t>23 January 2017</a:t>
             </a:fld>
             <a:endParaRPr lang="en-US" sz="1800">
               <a:solidFill>
@@ -3101,7 +3101,7 @@
                 </a:spcAft>
                 <a:defRPr/>
               </a:pPr>
-              <a:t>16 January 2017</a:t>
+              <a:t>23 January 2017</a:t>
             </a:fld>
             <a:endParaRPr lang="en-US" sz="1800">
               <a:solidFill>
@@ -3285,7 +3285,7 @@
                 </a:spcAft>
                 <a:defRPr/>
               </a:pPr>
-              <a:t>16 January 2017</a:t>
+              <a:t>23 January 2017</a:t>
             </a:fld>
             <a:endParaRPr lang="en-US" sz="1800">
               <a:solidFill>
@@ -3446,7 +3446,7 @@
                 </a:spcAft>
                 <a:defRPr/>
               </a:pPr>
-              <a:t>16 January 2017</a:t>
+              <a:t>23 January 2017</a:t>
             </a:fld>
             <a:endParaRPr lang="en-US" sz="1800">
               <a:solidFill>
@@ -3789,7 +3789,7 @@
                 </a:spcAft>
                 <a:defRPr/>
               </a:pPr>
-              <a:t>16 January 2017</a:t>
+              <a:t>23 January 2017</a:t>
             </a:fld>
             <a:endParaRPr lang="en-US" sz="1800">
               <a:solidFill>
@@ -3928,7 +3928,7 @@
                 </a:solidFill>
               </a:rPr>
               <a:pPr/>
-              <a:t>1/16/2017</a:t>
+              <a:t>1/23/2017</a:t>
             </a:fld>
             <a:endParaRPr lang="en-US">
               <a:solidFill>
@@ -4311,7 +4311,7 @@
                 </a:spcAft>
                 <a:defRPr/>
               </a:pPr>
-              <a:t>16 January 2017</a:t>
+              <a:t>23 January 2017</a:t>
             </a:fld>
             <a:endParaRPr lang="en-US" sz="1800">
               <a:solidFill>
@@ -4547,7 +4547,7 @@
                 </a:spcAft>
                 <a:defRPr/>
               </a:pPr>
-              <a:t>16 January 2017</a:t>
+              <a:t>23 January 2017</a:t>
             </a:fld>
             <a:endParaRPr lang="en-US" sz="1800">
               <a:solidFill>
@@ -4793,7 +4793,7 @@
                 </a:spcAft>
                 <a:defRPr/>
               </a:pPr>
-              <a:t>16 January 2017</a:t>
+              <a:t>23 January 2017</a:t>
             </a:fld>
             <a:endParaRPr lang="en-US" sz="1800">
               <a:solidFill>
@@ -5007,7 +5007,7 @@
                 </a:spcAft>
                 <a:defRPr/>
               </a:pPr>
-              <a:t>16 January 2017</a:t>
+              <a:t>23 January 2017</a:t>
             </a:fld>
             <a:endParaRPr lang="en-US" sz="1800">
               <a:solidFill>
@@ -5222,7 +5222,7 @@
                 </a:solidFill>
               </a:rPr>
               <a:pPr/>
-              <a:t>1/16/2017</a:t>
+              <a:t>1/23/2017</a:t>
             </a:fld>
             <a:endParaRPr lang="en-US">
               <a:solidFill>
@@ -5542,7 +5542,7 @@
                 </a:solidFill>
               </a:rPr>
               <a:pPr/>
-              <a:t>1/16/2017</a:t>
+              <a:t>1/23/2017</a:t>
             </a:fld>
             <a:endParaRPr lang="en-US">
               <a:solidFill>
@@ -5996,7 +5996,7 @@
                 </a:solidFill>
               </a:rPr>
               <a:pPr/>
-              <a:t>1/16/2017</a:t>
+              <a:t>1/23/2017</a:t>
             </a:fld>
             <a:endParaRPr lang="en-US">
               <a:solidFill>
@@ -6146,7 +6146,7 @@
                 </a:solidFill>
               </a:rPr>
               <a:pPr/>
-              <a:t>1/16/2017</a:t>
+              <a:t>1/23/2017</a:t>
             </a:fld>
             <a:endParaRPr lang="en-US">
               <a:solidFill>
@@ -6273,7 +6273,7 @@
                 </a:solidFill>
               </a:rPr>
               <a:pPr/>
-              <a:t>1/16/2017</a:t>
+              <a:t>1/23/2017</a:t>
             </a:fld>
             <a:endParaRPr lang="en-US">
               <a:solidFill>
@@ -6582,7 +6582,7 @@
                 </a:solidFill>
               </a:rPr>
               <a:pPr/>
-              <a:t>1/16/2017</a:t>
+              <a:t>1/23/2017</a:t>
             </a:fld>
             <a:endParaRPr lang="en-US">
               <a:solidFill>
@@ -6867,7 +6867,7 @@
                 </a:solidFill>
               </a:rPr>
               <a:pPr/>
-              <a:t>1/16/2017</a:t>
+              <a:t>1/23/2017</a:t>
             </a:fld>
             <a:endParaRPr lang="en-US">
               <a:solidFill>
@@ -7128,7 +7128,7 @@
                   <a:spcPts val="0"/>
                 </a:spcAft>
               </a:pPr>
-              <a:t>1/16/2017</a:t>
+              <a:t>1/23/2017</a:t>
             </a:fld>
             <a:endParaRPr lang="en-US">
               <a:solidFill>
@@ -9191,7 +9191,7 @@
                 </a:spcAft>
                 <a:defRPr/>
               </a:pPr>
-              <a:t>16 January 2017</a:t>
+              <a:t>23 January 2017</a:t>
             </a:fld>
             <a:endParaRPr lang="en-US" sz="1800">
               <a:solidFill>
@@ -12787,7 +12787,7 @@
                 </a:spcAft>
                 <a:defRPr/>
               </a:pPr>
-              <a:t>16 January 2017</a:t>
+              <a:t>23 January 2017</a:t>
             </a:fld>
             <a:endParaRPr lang="en-US" sz="1800">
               <a:solidFill>
@@ -15080,7 +15080,7 @@
                 </a:spcAft>
                 <a:defRPr/>
               </a:pPr>
-              <a:t>16 January 2017</a:t>
+              <a:t>23 January 2017</a:t>
             </a:fld>
             <a:endParaRPr lang="en-US" sz="1800">
               <a:solidFill>
@@ -15579,7 +15579,7 @@
                 </a:spcAft>
                 <a:defRPr/>
               </a:pPr>
-              <a:t>16 January 2017</a:t>
+              <a:t>23 January 2017</a:t>
             </a:fld>
             <a:endParaRPr lang="en-US" sz="1800">
               <a:solidFill>
@@ -17460,7 +17460,7 @@
                 </a:spcAft>
                 <a:defRPr/>
               </a:pPr>
-              <a:t>16 January 2017</a:t>
+              <a:t>23 January 2017</a:t>
             </a:fld>
             <a:endParaRPr lang="en-US" sz="1800">
               <a:solidFill>
@@ -17618,8 +17618,8 @@
         </p:blipFill>
         <p:spPr bwMode="auto">
           <a:xfrm>
-            <a:off x="3256" y="1539748"/>
-            <a:ext cx="9140744" cy="4816090"/>
+            <a:off x="73923" y="1539748"/>
+            <a:ext cx="8999409" cy="4816090"/>
           </a:xfrm>
           <a:prstGeom prst="rect">
             <a:avLst/>
@@ -17807,7 +17807,7 @@
                 </a:spcAft>
                 <a:defRPr/>
               </a:pPr>
-              <a:t>16 January 2017</a:t>
+              <a:t>23 January 2017</a:t>
             </a:fld>
             <a:endParaRPr lang="en-US" sz="1800">
               <a:solidFill>
@@ -18423,7 +18423,7 @@
                 </a:spcAft>
                 <a:defRPr/>
               </a:pPr>
-              <a:t>16 January 2017</a:t>
+              <a:t>23 January 2017</a:t>
             </a:fld>
             <a:endParaRPr lang="en-US" sz="1800">
               <a:solidFill>
@@ -18615,7 +18615,7 @@
                 </a:spcAft>
                 <a:defRPr/>
               </a:pPr>
-              <a:t>16 January 2017</a:t>
+              <a:t>23 January 2017</a:t>
             </a:fld>
             <a:endParaRPr lang="en-US" sz="1800">
               <a:solidFill>
@@ -18983,7 +18983,7 @@
                 </a:spcAft>
                 <a:defRPr/>
               </a:pPr>
-              <a:t>16 January 2017</a:t>
+              <a:t>23 January 2017</a:t>
             </a:fld>
             <a:endParaRPr lang="en-US" sz="1800">
               <a:solidFill>
@@ -19692,7 +19692,7 @@
                 </a:spcAft>
                 <a:defRPr/>
               </a:pPr>
-              <a:t>16 January 2017</a:t>
+              <a:t>23 January 2017</a:t>
             </a:fld>
             <a:endParaRPr lang="en-US" sz="1800">
               <a:solidFill>
@@ -19926,7 +19926,7 @@
                 </a:spcAft>
                 <a:defRPr/>
               </a:pPr>
-              <a:t>16 January 2017</a:t>
+              <a:t>23 January 2017</a:t>
             </a:fld>
             <a:endParaRPr lang="en-US" sz="1800">
               <a:solidFill>
@@ -20839,7 +20839,7 @@
                 </a:spcAft>
                 <a:defRPr/>
               </a:pPr>
-              <a:t>16 January 2017</a:t>
+              <a:t>23 January 2017</a:t>
             </a:fld>
             <a:endParaRPr lang="en-US" sz="1800">
               <a:solidFill>
@@ -21073,7 +21073,7 @@
                 </a:spcAft>
                 <a:defRPr/>
               </a:pPr>
-              <a:t>16 January 2017</a:t>
+              <a:t>23 January 2017</a:t>
             </a:fld>
             <a:endParaRPr lang="en-US" sz="1800">
               <a:solidFill>
@@ -21307,7 +21307,7 @@
                 </a:spcAft>
                 <a:defRPr/>
               </a:pPr>
-              <a:t>16 January 2017</a:t>
+              <a:t>23 January 2017</a:t>
             </a:fld>
             <a:endParaRPr lang="en-US" sz="1800">
               <a:solidFill>
@@ -21881,7 +21881,7 @@
                 </a:spcAft>
                 <a:defRPr/>
               </a:pPr>
-              <a:t>16 January 2017</a:t>
+              <a:t>23 January 2017</a:t>
             </a:fld>
             <a:endParaRPr lang="en-US" sz="1800">
               <a:solidFill>
@@ -22361,7 +22361,7 @@
                 </a:spcAft>
                 <a:defRPr/>
               </a:pPr>
-              <a:t>16 January 2017</a:t>
+              <a:t>23 January 2017</a:t>
             </a:fld>
             <a:endParaRPr lang="en-US" sz="1800">
               <a:solidFill>
@@ -26644,7 +26644,7 @@
                 </a:spcAft>
                 <a:defRPr/>
               </a:pPr>
-              <a:t>16 January 2017</a:t>
+              <a:t>23 January 2017</a:t>
             </a:fld>
             <a:endParaRPr lang="en-US" sz="1800">
               <a:solidFill>
